--- a/Examples/templates/presentation.pptx
+++ b/Examples/templates/presentation.pptx
@@ -1,6 +1,6 @@
 
 <file path=ppt/presentation.xml><?xml version="1.0" encoding="utf-8"?>
-<!--Generated by Aspose.Slides for .NET 19.5-->
+<!--Generated by Aspose.Slides for .NET 19.4-->
 <p:presentation xmlns:r="http://schemas.openxmlformats.org/officeDocument/2006/relationships" xmlns:a="http://schemas.openxmlformats.org/drawingml/2006/main" xmlns:p="http://schemas.openxmlformats.org/presentationml/2006/main" saveSubsetFonts="1">
   <p:sldMasterIdLst>
     <p:sldMasterId id="2147483648" r:id="rId1"/>
@@ -111,6 +111,98 @@
 </p:presentation>
 </file>
 
+<file path=ppt/charts/chart1.xml><?xml version="1.0" encoding="utf-8"?>
+<c:chartSpace xmlns:a="http://schemas.openxmlformats.org/drawingml/2006/main" xmlns:r="http://schemas.openxmlformats.org/officeDocument/2006/relationships" xmlns:c="http://schemas.openxmlformats.org/drawingml/2006/chart">
+  <c:date1904 val="0"/>
+  <c:roundedCorners val="0"/>
+  <mc:AlternateContent xmlns:mc="http://schemas.openxmlformats.org/markup-compatibility/2006">
+    <mc:Choice xmlns:c14="http://schemas.microsoft.com/office/drawing/2007/8/2/chart" Requires="c14">
+      <c14:style val="102"/>
+    </mc:Choice>
+    <mc:Fallback>
+      <c:style val="2"/>
+    </mc:Fallback>
+  </mc:AlternateContent>
+  <c:chart>
+    <c:autoTitleDeleted val="1"/>
+    <c:plotArea>
+      <c:pieChart>
+        <c:varyColors val="0"/>
+        <c:ser>
+          <c:idx val="0"/>
+          <c:order val="0"/>
+          <c:tx>
+            <c:strRef>
+              <c:f>Sheet1!$B$1</c:f>
+              <c:strCache>
+                <c:ptCount val="1"/>
+                <c:pt idx="0">
+                  <c:v>7.6</c:v>
+                </c:pt>
+              </c:strCache>
+            </c:strRef>
+          </c:tx>
+          <c:cat>
+            <c:strRef>
+              <c:f>Sheet1!$A$2:$A$4</c:f>
+              <c:strCache>
+                <c:ptCount val="3"/>
+                <c:pt idx="0">
+                  <c:v>B</c:v>
+                </c:pt>
+                <c:pt idx="1">
+                  <c:v>C</c:v>
+                </c:pt>
+                <c:pt idx="2">
+                  <c:v>D</c:v>
+                </c:pt>
+              </c:strCache>
+            </c:strRef>
+          </c:cat>
+          <c:val>
+            <c:numRef>
+              <c:f>Sheet1!$B$2:$B$4</c:f>
+              <c:numCache>
+                <c:ptCount val="3"/>
+                <c:pt idx="0">
+                  <c:v>6.5</c:v>
+                </c:pt>
+                <c:pt idx="1">
+                  <c:v>3.5</c:v>
+                </c:pt>
+                <c:pt idx="2">
+                  <c:v>4.8</c:v>
+                </c:pt>
+              </c:numCache>
+            </c:numRef>
+          </c:val>
+        </c:ser>
+        <c:dLbls>
+          <c:showLegendKey val="0"/>
+          <c:showVal val="0"/>
+          <c:showCatName val="0"/>
+          <c:showSerName val="0"/>
+          <c:showPercent val="0"/>
+          <c:showBubbleSize val="0"/>
+          <c:showLeaderLines val="0"/>
+        </c:dLbls>
+        <c:firstSliceAng/>
+      </c:pieChart>
+    </c:plotArea>
+    <c:legend>
+      <c:legendPos/>
+      <c:overlay val="0"/>
+    </c:legend>
+    <c:plotVisOnly val="1"/>
+    <c:dispBlanksAs/>
+    <c:showDLblsOverMax val="1"/>
+  </c:chart>
+  <c:externalData r:id="rId1">
+    <c:autoUpdate val="0"/>
+  </c:externalData>
+</c:chartSpace>
+</file>
+
 <file path=ppt/slideLayouts/slideLayout1.xml><?xml version="1.0" encoding="utf-8"?>
 <p:sldLayout xmlns:a="http://schemas.openxmlformats.org/drawingml/2006/main" xmlns:r="http://schemas.openxmlformats.org/officeDocument/2006/relationships" xmlns:p14="http://schemas.microsoft.com/office/powerpoint/2010/main" xmlns:a14="http://schemas.microsoft.com/office/drawing/2010/main" xmlns:p15="http://schemas.microsoft.com/office/powerpoint/2012/main" xmlns:p159="http://schemas.microsoft.com/office/powerpoint/2015/09/main" xmlns:p="http://schemas.openxmlformats.org/presentationml/2006/main" type="title" preserve="1">
   <p:cSld name="Title Slide">
@@ -278,7 +370,7 @@
           <a:bodyPr/>
           <a:lstStyle/>
           <a:p>
-            <a:fld id="{9BE823E6-9DDD-49A3-8193-92CD829A25FD}" type="datetimeFigureOut">
+            <a:fld id="{A3579B4F-F2CF-4113-92AB-DCF534E494BE}" type="datetimeFigureOut">
               <a:rPr lang="en-US" smtClean="0"/>
               <a:t>11/7/2009</a:t>
             </a:fld>
@@ -442,7 +534,7 @@
           <a:bodyPr/>
           <a:lstStyle/>
           <a:p>
-            <a:fld id="{310A61B0-4CFD-4203-9391-6F7F0D558EFB}" type="datetimeFigureOut">
+            <a:fld id="{E6A005CF-9A6D-4E0D-8915-38D4C8E16C2F}" type="datetimeFigureOut">
               <a:rPr lang="en-US" smtClean="0"/>
               <a:t>11/7/2009</a:t>
             </a:fld>
@@ -606,7 +698,7 @@
           <a:bodyPr/>
           <a:lstStyle/>
           <a:p>
-            <a:fld id="{A80E58EE-D6B6-4CD7-84E7-4E5C71C308B8}" type="datetimeFigureOut">
+            <a:fld id="{3A030CF6-F884-41E6-83B4-09751901CB53}" type="datetimeFigureOut">
               <a:rPr lang="en-US" smtClean="0"/>
               <a:t>11/7/2009</a:t>
             </a:fld>
@@ -770,7 +862,7 @@
           <a:bodyPr/>
           <a:lstStyle/>
           <a:p>
-            <a:fld id="{74954358-69ED-466E-A2C2-35534ABD4426}" type="datetimeFigureOut">
+            <a:fld id="{681DA07C-3A99-4A62-8432-2FCA6B192BB0}" type="datetimeFigureOut">
               <a:rPr lang="en-US" smtClean="0"/>
               <a:t>11/7/2009</a:t>
             </a:fld>
@@ -1000,7 +1092,7 @@
           <a:bodyPr/>
           <a:lstStyle/>
           <a:p>
-            <a:fld id="{F78D2223-A8E1-41C7-B3BF-C3404EF66962}" type="datetimeFigureOut">
+            <a:fld id="{9489E590-1B74-4706-B406-81F952C9CA4F}" type="datetimeFigureOut">
               <a:rPr lang="en-US" smtClean="0"/>
               <a:t>11/7/2009</a:t>
             </a:fld>
@@ -1271,7 +1363,7 @@
           <a:bodyPr/>
           <a:lstStyle/>
           <a:p>
-            <a:fld id="{D0CD4C26-5357-42FE-BBD7-BC9DBE54F19F}" type="datetimeFigureOut">
+            <a:fld id="{4AF932E6-A81C-46F0-B533-CC4F425D3614}" type="datetimeFigureOut">
               <a:rPr lang="en-US" smtClean="0"/>
               <a:t>11/7/2009</a:t>
             </a:fld>
@@ -1660,7 +1752,7 @@
           <a:bodyPr/>
           <a:lstStyle/>
           <a:p>
-            <a:fld id="{5972FD3F-CD82-4C3E-839A-6D1ED693B64D}" type="datetimeFigureOut">
+            <a:fld id="{61F9BEF9-91D2-484F-B623-A8C625567325}" type="datetimeFigureOut">
               <a:rPr lang="en-US" smtClean="0"/>
               <a:t>11/7/2009</a:t>
             </a:fld>
@@ -1773,7 +1865,7 @@
           <a:bodyPr/>
           <a:lstStyle/>
           <a:p>
-            <a:fld id="{09D0A202-2D94-4E76-AC9A-79701B2CDE13}" type="datetimeFigureOut">
+            <a:fld id="{D2150730-CC43-4E3C-8204-568EBC143BDA}" type="datetimeFigureOut">
               <a:rPr lang="en-US" smtClean="0"/>
               <a:t>11/7/2009</a:t>
             </a:fld>
@@ -1863,7 +1955,7 @@
           <a:bodyPr/>
           <a:lstStyle/>
           <a:p>
-            <a:fld id="{05300845-EE3F-4984-AED8-B4CE69F27540}" type="datetimeFigureOut">
+            <a:fld id="{78524224-24C9-4E70-AF86-05B83747F1F2}" type="datetimeFigureOut">
               <a:rPr lang="en-US" smtClean="0"/>
               <a:t>11/7/2009</a:t>
             </a:fld>
@@ -2118,7 +2210,7 @@
           <a:bodyPr/>
           <a:lstStyle/>
           <a:p>
-            <a:fld id="{3E063B7B-E5A7-40F1-A79F-5C94C4D2B4E6}" type="datetimeFigureOut">
+            <a:fld id="{49A235BB-17F1-4BA3-95EE-50C7C47E04B8}" type="datetimeFigureOut">
               <a:rPr lang="en-US" smtClean="0"/>
               <a:t>11/7/2009</a:t>
             </a:fld>
@@ -2350,7 +2442,7 @@
           <a:bodyPr/>
           <a:lstStyle/>
           <a:p>
-            <a:fld id="{428A8897-A0FD-4C14-B516-099C7EFAFEFE}" type="datetimeFigureOut">
+            <a:fld id="{93FD3F87-4DA1-48D6-A960-56663EFE723B}" type="datetimeFigureOut">
               <a:rPr lang="en-US" smtClean="0"/>
               <a:t>11/7/2009</a:t>
             </a:fld>
@@ -2929,28 +3021,22 @@
           <a:ext cx="0" cy="0"/>
         </a:xfrm>
       </p:grpSpPr>
-      <p:pic>
-        <p:nvPicPr>
-          <p:cNvPr id="2" name="New picture"/>
-          <p:cNvPicPr/>
+      <p:graphicFrame>
+        <p:nvGraphicFramePr>
+          <p:cNvPr id="2" name="ChartObject"/>
+          <p:cNvGraphicFramePr/>
           <p:nvPr/>
-        </p:nvPicPr>
-        <p:blipFill>
-          <a:blip r:embed="rId2"/>
-          <a:stretch>
-            <a:fillRect/>
-          </a:stretch>
-        </p:blipFill>
-        <p:spPr>
-          <a:xfrm>
-            <a:off x="0" y="0"/>
-            <a:ext cx="6096000" cy="6096000"/>
-          </a:xfrm>
-          <a:prstGeom prst="rect">
-            <a:avLst/>
-          </a:prstGeom>
-        </p:spPr>
-      </p:pic>
+        </p:nvGraphicFramePr>
+        <p:xfrm>
+          <a:off x="635000" y="635000"/>
+          <a:ext cx="5080000" cy="7620000"/>
+        </p:xfrm>
+        <a:graphic>
+          <a:graphicData uri="http://schemas.openxmlformats.org/drawingml/2006/chart">
+            <c:chart xmlns:c="http://schemas.openxmlformats.org/drawingml/2006/chart" r:id="rId2"/>
+          </a:graphicData>
+        </a:graphic>
+      </p:graphicFrame>
     </p:spTree>
   </p:cSld>
   <p:clrMapOvr>
@@ -2965,9 +3051,9 @@
 <p:tagLst xmlns:p="http://schemas.openxmlformats.org/presentationml/2006/main">
   <p:tag name="AS_NET" val="4.0.30319.42000"/>
   <p:tag name="AS_OS" val="Microsoft Windows NT 6.2.9200.0"/>
-  <p:tag name="AS_RELEASE_DATE" val="2019.05.17"/>
+  <p:tag name="AS_RELEASE_DATE" val="2019.04.15"/>
   <p:tag name="AS_TITLE" val="Aspose.Slides for .NET 4.0 Client Profile"/>
-  <p:tag name="AS_VERSION" val="19.5"/>
+  <p:tag name="AS_VERSION" val="19.4"/>
 </p:tagLst>
 </file>
 
